--- a/Charu MIthali Key log.pptx
+++ b/Charu MIthali Key log.pptx
@@ -15751,10 +15751,10 @@
       </p:sp>
       <p:pic>
         <p:nvPicPr>
-          <p:cNvPr id="3" name="Picture 2" descr="A screenshot of a computer&#10;&#10;Description automatically generated">
+          <p:cNvPr id="4" name="Picture 3">
             <a:extLst>
               <a:ext uri="{FF2B5EF4-FFF2-40B4-BE49-F238E27FC236}">
-                <a16:creationId xmlns:a16="http://schemas.microsoft.com/office/drawing/2014/main" id="{9ADB92FE-7F6B-E604-3657-A50E88D0303A}"/>
+                <a16:creationId xmlns:a16="http://schemas.microsoft.com/office/drawing/2014/main" id="{7D7143C3-9CF3-FAC4-83BB-08620926C23F}"/>
               </a:ext>
             </a:extLst>
           </p:cNvPr>
@@ -15771,8 +15771,8 @@
         </p:blipFill>
         <p:spPr>
           <a:xfrm>
-            <a:off x="639097" y="1360294"/>
-            <a:ext cx="10343536" cy="4932351"/>
+            <a:off x="609600" y="1360294"/>
+            <a:ext cx="10854813" cy="4971680"/>
           </a:xfrm>
           <a:prstGeom prst="rect">
             <a:avLst/>
@@ -16692,20 +16692,20 @@
 </file>
 
 <file path=customXml/item2.xml><?xml version="1.0" encoding="utf-8"?>
+<p:properties xmlns:p="http://schemas.microsoft.com/office/2006/metadata/properties" xmlns:xsi="http://www.w3.org/2001/XMLSchema-instance" xmlns:pc="http://schemas.microsoft.com/office/infopath/2007/PartnerControls">
+  <documentManagement>
+    <_activity xmlns="fd8fff9b-3daa-49fa-aee0-b20efe30009c" xsi:nil="true"/>
+  </documentManagement>
+</p:properties>
+</file>
+
+<file path=customXml/item3.xml><?xml version="1.0" encoding="utf-8"?>
 <?mso-contentType ?>
 <FormTemplates xmlns="http://schemas.microsoft.com/sharepoint/v3/contenttype/forms">
   <Display>DocumentLibraryForm</Display>
   <Edit>DocumentLibraryForm</Edit>
   <New>DocumentLibraryForm</New>
 </FormTemplates>
-</file>
-
-<file path=customXml/item3.xml><?xml version="1.0" encoding="utf-8"?>
-<p:properties xmlns:p="http://schemas.microsoft.com/office/2006/metadata/properties" xmlns:xsi="http://www.w3.org/2001/XMLSchema-instance" xmlns:pc="http://schemas.microsoft.com/office/infopath/2007/PartnerControls">
-  <documentManagement>
-    <_activity xmlns="fd8fff9b-3daa-49fa-aee0-b20efe30009c" xsi:nil="true"/>
-  </documentManagement>
-</p:properties>
 </file>
 
 <file path=customXml/itemProps1.xml><?xml version="1.0" encoding="utf-8"?>
@@ -16728,14 +16728,6 @@
 </file>
 
 <file path=customXml/itemProps2.xml><?xml version="1.0" encoding="utf-8"?>
-<ds:datastoreItem xmlns:ds="http://schemas.openxmlformats.org/officeDocument/2006/customXml" ds:itemID="{9A940AEE-848A-4343-A03E-FCEE1E4AB8A1}">
-  <ds:schemaRefs>
-    <ds:schemaRef ds:uri="http://schemas.microsoft.com/sharepoint/v3/contenttype/forms"/>
-  </ds:schemaRefs>
-</ds:datastoreItem>
-</file>
-
-<file path=customXml/itemProps3.xml><?xml version="1.0" encoding="utf-8"?>
 <ds:datastoreItem xmlns:ds="http://schemas.openxmlformats.org/officeDocument/2006/customXml" ds:itemID="{27818B5E-C8B7-4C2B-9C2B-24195E7BC6E7}">
   <ds:schemaRefs>
     <ds:schemaRef ds:uri="http://purl.org/dc/terms/"/>
@@ -16750,4 +16742,12 @@
     <ds:schemaRef ds:uri="http://purl.org/dc/elements/1.1/"/>
   </ds:schemaRefs>
 </ds:datastoreItem>
+</file>
+
+<file path=customXml/itemProps3.xml><?xml version="1.0" encoding="utf-8"?>
+<ds:datastoreItem xmlns:ds="http://schemas.openxmlformats.org/officeDocument/2006/customXml" ds:itemID="{9A940AEE-848A-4343-A03E-FCEE1E4AB8A1}">
+  <ds:schemaRefs>
+    <ds:schemaRef ds:uri="http://schemas.microsoft.com/sharepoint/v3/contenttype/forms"/>
+  </ds:schemaRefs>
+</ds:datastoreItem>
 </file>